--- a/Dog & Bone.pptx
+++ b/Dog & Bone.pptx
@@ -106,6 +106,11 @@
       </a:defRPr>
     </a:lvl9pPr>
   </p:defaultTextStyle>
+  <p:extLst>
+    <p:ext uri="{EFAFB233-063F-42B5-8137-9DF3F51BA10A}">
+      <p15:sldGuideLst xmlns:p15="http://schemas.microsoft.com/office/powerpoint/2012/main"/>
+    </p:ext>
+  </p:extLst>
 </p:presentation>
 </file>
 
@@ -279,7 +284,7 @@
           <a:p>
             <a:fld id="{CDCB9668-910D-4BE6-823D-AF9358B428F6}" type="datetimeFigureOut">
               <a:rPr lang="hu-HU" smtClean="0"/>
-              <a:t>2022.03.28</a:t>
+              <a:t>2022.04.01</a:t>
             </a:fld>
             <a:endParaRPr lang="hu-HU"/>
           </a:p>
@@ -546,7 +551,7 @@
           <a:p>
             <a:fld id="{CDCB9668-910D-4BE6-823D-AF9358B428F6}" type="datetimeFigureOut">
               <a:rPr lang="hu-HU" smtClean="0"/>
-              <a:t>2022.03.28</a:t>
+              <a:t>2022.04.01</a:t>
             </a:fld>
             <a:endParaRPr lang="hu-HU"/>
           </a:p>
@@ -777,7 +782,7 @@
           <a:p>
             <a:fld id="{CDCB9668-910D-4BE6-823D-AF9358B428F6}" type="datetimeFigureOut">
               <a:rPr lang="hu-HU" smtClean="0"/>
-              <a:t>2022.03.28</a:t>
+              <a:t>2022.04.01</a:t>
             </a:fld>
             <a:endParaRPr lang="hu-HU"/>
           </a:p>
@@ -1087,7 +1092,7 @@
           <a:p>
             <a:fld id="{CDCB9668-910D-4BE6-823D-AF9358B428F6}" type="datetimeFigureOut">
               <a:rPr lang="hu-HU" smtClean="0"/>
-              <a:t>2022.03.28</a:t>
+              <a:t>2022.04.01</a:t>
             </a:fld>
             <a:endParaRPr lang="hu-HU"/>
           </a:p>
@@ -1560,7 +1565,7 @@
           <a:p>
             <a:fld id="{CDCB9668-910D-4BE6-823D-AF9358B428F6}" type="datetimeFigureOut">
               <a:rPr lang="hu-HU" smtClean="0"/>
-              <a:t>2022.03.28</a:t>
+              <a:t>2022.04.01</a:t>
             </a:fld>
             <a:endParaRPr lang="hu-HU"/>
           </a:p>
@@ -2107,7 +2112,7 @@
           <a:p>
             <a:fld id="{CDCB9668-910D-4BE6-823D-AF9358B428F6}" type="datetimeFigureOut">
               <a:rPr lang="hu-HU" smtClean="0"/>
-              <a:t>2022.03.28</a:t>
+              <a:t>2022.04.01</a:t>
             </a:fld>
             <a:endParaRPr lang="hu-HU"/>
           </a:p>
@@ -2881,7 +2886,7 @@
           <a:p>
             <a:fld id="{CDCB9668-910D-4BE6-823D-AF9358B428F6}" type="datetimeFigureOut">
               <a:rPr lang="hu-HU" smtClean="0"/>
-              <a:t>2022.03.28</a:t>
+              <a:t>2022.04.01</a:t>
             </a:fld>
             <a:endParaRPr lang="hu-HU"/>
           </a:p>
@@ -3056,7 +3061,7 @@
           <a:p>
             <a:fld id="{CDCB9668-910D-4BE6-823D-AF9358B428F6}" type="datetimeFigureOut">
               <a:rPr lang="hu-HU" smtClean="0"/>
-              <a:t>2022.03.28</a:t>
+              <a:t>2022.04.01</a:t>
             </a:fld>
             <a:endParaRPr lang="hu-HU"/>
           </a:p>
@@ -3279,7 +3284,7 @@
           <a:p>
             <a:fld id="{CDCB9668-910D-4BE6-823D-AF9358B428F6}" type="datetimeFigureOut">
               <a:rPr lang="hu-HU" smtClean="0"/>
-              <a:t>2022.03.28</a:t>
+              <a:t>2022.04.01</a:t>
             </a:fld>
             <a:endParaRPr lang="hu-HU"/>
           </a:p>
@@ -3459,7 +3464,7 @@
           <a:p>
             <a:fld id="{CDCB9668-910D-4BE6-823D-AF9358B428F6}" type="datetimeFigureOut">
               <a:rPr lang="hu-HU" smtClean="0"/>
-              <a:t>2022.03.28</a:t>
+              <a:t>2022.04.01</a:t>
             </a:fld>
             <a:endParaRPr lang="hu-HU"/>
           </a:p>
@@ -3748,7 +3753,7 @@
           <a:p>
             <a:fld id="{CDCB9668-910D-4BE6-823D-AF9358B428F6}" type="datetimeFigureOut">
               <a:rPr lang="hu-HU" smtClean="0"/>
-              <a:t>2022.03.28</a:t>
+              <a:t>2022.04.01</a:t>
             </a:fld>
             <a:endParaRPr lang="hu-HU"/>
           </a:p>
@@ -3990,7 +3995,7 @@
           <a:p>
             <a:fld id="{CDCB9668-910D-4BE6-823D-AF9358B428F6}" type="datetimeFigureOut">
               <a:rPr lang="hu-HU" smtClean="0"/>
-              <a:t>2022.03.28</a:t>
+              <a:t>2022.04.01</a:t>
             </a:fld>
             <a:endParaRPr lang="hu-HU"/>
           </a:p>
@@ -4369,7 +4374,7 @@
           <a:p>
             <a:fld id="{CDCB9668-910D-4BE6-823D-AF9358B428F6}" type="datetimeFigureOut">
               <a:rPr lang="hu-HU" smtClean="0"/>
-              <a:t>2022.03.28</a:t>
+              <a:t>2022.04.01</a:t>
             </a:fld>
             <a:endParaRPr lang="hu-HU"/>
           </a:p>
@@ -4487,7 +4492,7 @@
           <a:p>
             <a:fld id="{CDCB9668-910D-4BE6-823D-AF9358B428F6}" type="datetimeFigureOut">
               <a:rPr lang="hu-HU" smtClean="0"/>
-              <a:t>2022.03.28</a:t>
+              <a:t>2022.04.01</a:t>
             </a:fld>
             <a:endParaRPr lang="hu-HU"/>
           </a:p>
@@ -4582,7 +4587,7 @@
           <a:p>
             <a:fld id="{CDCB9668-910D-4BE6-823D-AF9358B428F6}" type="datetimeFigureOut">
               <a:rPr lang="hu-HU" smtClean="0"/>
-              <a:t>2022.03.28</a:t>
+              <a:t>2022.04.01</a:t>
             </a:fld>
             <a:endParaRPr lang="hu-HU"/>
           </a:p>
@@ -4831,7 +4836,7 @@
           <a:p>
             <a:fld id="{CDCB9668-910D-4BE6-823D-AF9358B428F6}" type="datetimeFigureOut">
               <a:rPr lang="hu-HU" smtClean="0"/>
-              <a:t>2022.03.28</a:t>
+              <a:t>2022.04.01</a:t>
             </a:fld>
             <a:endParaRPr lang="hu-HU"/>
           </a:p>
@@ -5088,7 +5093,7 @@
           <a:p>
             <a:fld id="{CDCB9668-910D-4BE6-823D-AF9358B428F6}" type="datetimeFigureOut">
               <a:rPr lang="hu-HU" smtClean="0"/>
-              <a:t>2022.03.28</a:t>
+              <a:t>2022.04.01</a:t>
             </a:fld>
             <a:endParaRPr lang="hu-HU"/>
           </a:p>
@@ -5331,7 +5336,7 @@
           <a:p>
             <a:fld id="{CDCB9668-910D-4BE6-823D-AF9358B428F6}" type="datetimeFigureOut">
               <a:rPr lang="hu-HU" smtClean="0"/>
-              <a:t>2022.03.28</a:t>
+              <a:t>2022.04.01</a:t>
             </a:fld>
             <a:endParaRPr lang="hu-HU"/>
           </a:p>
@@ -5818,7 +5823,19 @@
           <a:p>
             <a:r>
               <a:rPr lang="hu-HU" i="1" dirty="0" smtClean="0"/>
-              <a:t>Tulajdonosok: Tompos Gergő, Élő Zalán és Pap László</a:t>
+              <a:t>Tulajdonosok: Tompos Gergő, </a:t>
+            </a:r>
+            <a:r>
+              <a:rPr lang="hu-HU" i="1" smtClean="0"/>
+              <a:t>Tófalvi</a:t>
+            </a:r>
+            <a:r>
+              <a:rPr lang="hu-HU" i="1" smtClean="0"/>
+              <a:t> </a:t>
+            </a:r>
+            <a:r>
+              <a:rPr lang="hu-HU" i="1" dirty="0" smtClean="0"/>
+              <a:t>Zalán és Pap László</a:t>
             </a:r>
             <a:endParaRPr lang="hu-HU" i="1" dirty="0"/>
           </a:p>
@@ -6301,13 +6318,13 @@
   <p:clrMapOvr>
     <a:masterClrMapping/>
   </p:clrMapOvr>
-  <mc:AlternateContent xmlns:mc="http://schemas.openxmlformats.org/markup-compatibility/2006">
-    <mc:Choice xmlns:p14="http://schemas.microsoft.com/office/powerpoint/2010/main" Requires="p14">
+  <mc:AlternateContent xmlns:mc="http://schemas.openxmlformats.org/markup-compatibility/2006" xmlns:p14="http://schemas.microsoft.com/office/powerpoint/2010/main">
+    <mc:Choice Requires="p14">
       <p:transition spd="slow" p14:dur="1300">
         <p14:pan dir="u"/>
       </p:transition>
     </mc:Choice>
-    <mc:Fallback>
+    <mc:Fallback xmlns="">
       <p:transition spd="slow">
         <p:fade/>
       </p:transition>
@@ -6496,13 +6513,13 @@
   <p:clrMapOvr>
     <a:masterClrMapping/>
   </p:clrMapOvr>
-  <mc:AlternateContent xmlns:mc="http://schemas.openxmlformats.org/markup-compatibility/2006">
-    <mc:Choice xmlns:p14="http://schemas.microsoft.com/office/powerpoint/2010/main" Requires="p14">
+  <mc:AlternateContent xmlns:mc="http://schemas.openxmlformats.org/markup-compatibility/2006" xmlns:p14="http://schemas.microsoft.com/office/powerpoint/2010/main">
+    <mc:Choice Requires="p14">
       <p:transition spd="slow" p14:dur="1300">
         <p14:pan dir="u"/>
       </p:transition>
     </mc:Choice>
-    <mc:Fallback>
+    <mc:Fallback xmlns="">
       <p:transition spd="slow">
         <p:fade/>
       </p:transition>
